--- a/Cloud Applications.pptx
+++ b/Cloud Applications.pptx
@@ -112,6 +112,11 @@
       </a:defRPr>
     </a:lvl9pPr>
   </p:defaultTextStyle>
+  <p:extLst>
+    <p:ext uri="{EFAFB233-063F-42B5-8137-9DF3F51BA10A}">
+      <p15:sldGuideLst xmlns:p15="http://schemas.microsoft.com/office/powerpoint/2012/main"/>
+    </p:ext>
+  </p:extLst>
 </p:presentation>
 </file>
 
@@ -161,7 +166,7 @@
           </a:lstStyle>
           <a:p>
             <a:r>
-              <a:rPr lang="nl-NL" smtClean="0"/>
+              <a:rPr lang="nl-NL"/>
               <a:t>Klik om de stijl te bewerken</a:t>
             </a:r>
             <a:endParaRPr lang="en-US" dirty="0"/>
@@ -282,7 +287,7 @@
           </a:lstStyle>
           <a:p>
             <a:r>
-              <a:rPr lang="nl-NL" smtClean="0"/>
+              <a:rPr lang="nl-NL"/>
               <a:t>Klik om de ondertitelstijl van het model te bewerken</a:t>
             </a:r>
             <a:endParaRPr lang="en-US" dirty="0"/>
@@ -575,7 +580,7 @@
           <a:lstStyle/>
           <a:p>
             <a:r>
-              <a:rPr lang="nl-NL" smtClean="0"/>
+              <a:rPr lang="nl-NL"/>
               <a:t>Klik om de stijl te bewerken</a:t>
             </a:r>
             <a:endParaRPr lang="en-US" dirty="0"/>
@@ -662,7 +667,7 @@
           </a:lstStyle>
           <a:p>
             <a:r>
-              <a:rPr lang="nl-NL" smtClean="0"/>
+              <a:rPr lang="nl-NL"/>
               <a:t>Klik op het pictogram als u een afbeelding wilt toevoegen</a:t>
             </a:r>
             <a:endParaRPr lang="en-US" dirty="0"/>
@@ -719,7 +724,7 @@
           <a:p>
             <a:pPr lvl="0"/>
             <a:r>
-              <a:rPr lang="nl-NL" smtClean="0"/>
+              <a:rPr lang="nl-NL"/>
               <a:t>Klik om de modelstijlen te bewerken</a:t>
             </a:r>
           </a:p>
@@ -847,7 +852,7 @@
           </a:lstStyle>
           <a:p>
             <a:r>
-              <a:rPr lang="nl-NL" smtClean="0"/>
+              <a:rPr lang="nl-NL"/>
               <a:t>Klik om de stijl te bewerken</a:t>
             </a:r>
             <a:endParaRPr lang="en-US" dirty="0"/>
@@ -969,7 +974,7 @@
           <a:p>
             <a:pPr lvl="0"/>
             <a:r>
-              <a:rPr lang="nl-NL" smtClean="0"/>
+              <a:rPr lang="nl-NL"/>
               <a:t>Klik om de modelstijlen te bewerken</a:t>
             </a:r>
           </a:p>
@@ -1101,7 +1106,7 @@
           </a:lstStyle>
           <a:p>
             <a:r>
-              <a:rPr lang="nl-NL" smtClean="0"/>
+              <a:rPr lang="nl-NL"/>
               <a:t>Klik om de stijl te bewerken</a:t>
             </a:r>
             <a:endParaRPr lang="en-US" dirty="0"/>
@@ -1156,7 +1161,7 @@
           <a:p>
             <a:pPr lvl="0"/>
             <a:r>
-              <a:rPr lang="nl-NL" smtClean="0"/>
+              <a:rPr lang="nl-NL"/>
               <a:t>Klik om de modelstijlen te bewerken</a:t>
             </a:r>
           </a:p>
@@ -1277,7 +1282,7 @@
           <a:p>
             <a:pPr lvl="0"/>
             <a:r>
-              <a:rPr lang="nl-NL" smtClean="0"/>
+              <a:rPr lang="nl-NL"/>
               <a:t>Klik om de modelstijlen te bewerken</a:t>
             </a:r>
           </a:p>
@@ -1473,7 +1478,7 @@
           </a:lstStyle>
           <a:p>
             <a:r>
-              <a:rPr lang="nl-NL" smtClean="0"/>
+              <a:rPr lang="nl-NL"/>
               <a:t>Klik om de stijl te bewerken</a:t>
             </a:r>
             <a:endParaRPr lang="en-US" dirty="0"/>
@@ -1595,7 +1600,7 @@
           <a:p>
             <a:pPr lvl="0"/>
             <a:r>
-              <a:rPr lang="nl-NL" smtClean="0"/>
+              <a:rPr lang="nl-NL"/>
               <a:t>Klik om de modelstijlen te bewerken</a:t>
             </a:r>
           </a:p>
@@ -1727,7 +1732,7 @@
           </a:lstStyle>
           <a:p>
             <a:r>
-              <a:rPr lang="nl-NL" smtClean="0"/>
+              <a:rPr lang="nl-NL"/>
               <a:t>Klik om de stijl te bewerken</a:t>
             </a:r>
             <a:endParaRPr lang="en-US" dirty="0"/>
@@ -1776,7 +1781,7 @@
               <a:buNone/>
             </a:pPr>
             <a:r>
-              <a:rPr lang="nl-NL" smtClean="0"/>
+              <a:rPr lang="nl-NL"/>
               <a:t>Klik om de modelstijlen te bewerken</a:t>
             </a:r>
           </a:p>
@@ -1897,7 +1902,7 @@
           <a:p>
             <a:pPr lvl="0"/>
             <a:r>
-              <a:rPr lang="nl-NL" smtClean="0"/>
+              <a:rPr lang="nl-NL"/>
               <a:t>Klik om de modelstijlen te bewerken</a:t>
             </a:r>
           </a:p>
@@ -2094,7 +2099,7 @@
           <a:p>
             <a:pPr marL="0" lvl="0"/>
             <a:r>
-              <a:rPr lang="nl-NL" smtClean="0"/>
+              <a:rPr lang="nl-NL"/>
               <a:t>Klik om de stijl te bewerken</a:t>
             </a:r>
             <a:endParaRPr lang="en-US" dirty="0"/>
@@ -2143,7 +2148,7 @@
               <a:buNone/>
             </a:pPr>
             <a:r>
-              <a:rPr lang="nl-NL" smtClean="0"/>
+              <a:rPr lang="nl-NL"/>
               <a:t>Klik om de modelstijlen te bewerken</a:t>
             </a:r>
           </a:p>
@@ -2264,7 +2269,7 @@
           <a:p>
             <a:pPr lvl="0"/>
             <a:r>
-              <a:rPr lang="nl-NL" smtClean="0"/>
+              <a:rPr lang="nl-NL"/>
               <a:t>Klik om de modelstijlen te bewerken</a:t>
             </a:r>
           </a:p>
@@ -2385,7 +2390,7 @@
           </a:lstStyle>
           <a:p>
             <a:r>
-              <a:rPr lang="nl-NL" smtClean="0"/>
+              <a:rPr lang="nl-NL"/>
               <a:t>Klik om de stijl te bewerken</a:t>
             </a:r>
             <a:endParaRPr lang="en-US" dirty="0"/>
@@ -2409,35 +2414,35 @@
           <a:p>
             <a:pPr lvl="0"/>
             <a:r>
-              <a:rPr lang="nl-NL" smtClean="0"/>
+              <a:rPr lang="nl-NL"/>
               <a:t>Klik om de modelstijlen te bewerken</a:t>
             </a:r>
           </a:p>
           <a:p>
             <a:pPr lvl="1"/>
             <a:r>
-              <a:rPr lang="nl-NL" smtClean="0"/>
+              <a:rPr lang="nl-NL"/>
               <a:t>Tweede niveau</a:t>
             </a:r>
           </a:p>
           <a:p>
             <a:pPr lvl="2"/>
             <a:r>
-              <a:rPr lang="nl-NL" smtClean="0"/>
+              <a:rPr lang="nl-NL"/>
               <a:t>Derde niveau</a:t>
             </a:r>
           </a:p>
           <a:p>
             <a:pPr lvl="3"/>
             <a:r>
-              <a:rPr lang="nl-NL" smtClean="0"/>
+              <a:rPr lang="nl-NL"/>
               <a:t>Vierde niveau</a:t>
             </a:r>
           </a:p>
           <a:p>
             <a:pPr lvl="4"/>
             <a:r>
-              <a:rPr lang="nl-NL" smtClean="0"/>
+              <a:rPr lang="nl-NL"/>
               <a:t>Vijfde niveau</a:t>
             </a:r>
             <a:endParaRPr lang="en-US" dirty="0"/>
@@ -2560,7 +2565,7 @@
           <a:lstStyle/>
           <a:p>
             <a:r>
-              <a:rPr lang="nl-NL" smtClean="0"/>
+              <a:rPr lang="nl-NL"/>
               <a:t>Klik om de stijl te bewerken</a:t>
             </a:r>
             <a:endParaRPr lang="en-US" dirty="0"/>
@@ -2589,35 +2594,35 @@
           <a:p>
             <a:pPr lvl="0"/>
             <a:r>
-              <a:rPr lang="nl-NL" smtClean="0"/>
+              <a:rPr lang="nl-NL"/>
               <a:t>Klik om de modelstijlen te bewerken</a:t>
             </a:r>
           </a:p>
           <a:p>
             <a:pPr lvl="1"/>
             <a:r>
-              <a:rPr lang="nl-NL" smtClean="0"/>
+              <a:rPr lang="nl-NL"/>
               <a:t>Tweede niveau</a:t>
             </a:r>
           </a:p>
           <a:p>
             <a:pPr lvl="2"/>
             <a:r>
-              <a:rPr lang="nl-NL" smtClean="0"/>
+              <a:rPr lang="nl-NL"/>
               <a:t>Derde niveau</a:t>
             </a:r>
           </a:p>
           <a:p>
             <a:pPr lvl="3"/>
             <a:r>
-              <a:rPr lang="nl-NL" smtClean="0"/>
+              <a:rPr lang="nl-NL"/>
               <a:t>Vierde niveau</a:t>
             </a:r>
           </a:p>
           <a:p>
             <a:pPr lvl="4"/>
             <a:r>
-              <a:rPr lang="nl-NL" smtClean="0"/>
+              <a:rPr lang="nl-NL"/>
               <a:t>Vijfde niveau</a:t>
             </a:r>
             <a:endParaRPr lang="en-US" dirty="0"/>
@@ -2735,7 +2740,7 @@
           <a:lstStyle/>
           <a:p>
             <a:r>
-              <a:rPr lang="nl-NL" smtClean="0"/>
+              <a:rPr lang="nl-NL"/>
               <a:t>Klik om de stijl te bewerken</a:t>
             </a:r>
             <a:endParaRPr lang="en-US" dirty="0"/>
@@ -2759,35 +2764,35 @@
           <a:p>
             <a:pPr lvl="0"/>
             <a:r>
-              <a:rPr lang="nl-NL" smtClean="0"/>
+              <a:rPr lang="nl-NL"/>
               <a:t>Klik om de modelstijlen te bewerken</a:t>
             </a:r>
           </a:p>
           <a:p>
             <a:pPr lvl="1"/>
             <a:r>
-              <a:rPr lang="nl-NL" smtClean="0"/>
+              <a:rPr lang="nl-NL"/>
               <a:t>Tweede niveau</a:t>
             </a:r>
           </a:p>
           <a:p>
             <a:pPr lvl="2"/>
             <a:r>
-              <a:rPr lang="nl-NL" smtClean="0"/>
+              <a:rPr lang="nl-NL"/>
               <a:t>Derde niveau</a:t>
             </a:r>
           </a:p>
           <a:p>
             <a:pPr lvl="3"/>
             <a:r>
-              <a:rPr lang="nl-NL" smtClean="0"/>
+              <a:rPr lang="nl-NL"/>
               <a:t>Vierde niveau</a:t>
             </a:r>
           </a:p>
           <a:p>
             <a:pPr lvl="4"/>
             <a:r>
-              <a:rPr lang="nl-NL" smtClean="0"/>
+              <a:rPr lang="nl-NL"/>
               <a:t>Vijfde niveau</a:t>
             </a:r>
             <a:endParaRPr lang="en-US" dirty="0"/>
@@ -2916,7 +2921,7 @@
           </a:lstStyle>
           <a:p>
             <a:r>
-              <a:rPr lang="nl-NL" smtClean="0"/>
+              <a:rPr lang="nl-NL"/>
               <a:t>Klik om de stijl te bewerken</a:t>
             </a:r>
             <a:endParaRPr lang="en-US" dirty="0"/>
@@ -3038,7 +3043,7 @@
           <a:p>
             <a:pPr lvl="0"/>
             <a:r>
-              <a:rPr lang="nl-NL" smtClean="0"/>
+              <a:rPr lang="nl-NL"/>
               <a:t>Klik om de modelstijlen te bewerken</a:t>
             </a:r>
           </a:p>
@@ -3155,7 +3160,7 @@
           <a:lstStyle/>
           <a:p>
             <a:r>
-              <a:rPr lang="nl-NL" smtClean="0"/>
+              <a:rPr lang="nl-NL"/>
               <a:t>Klik om de stijl te bewerken</a:t>
             </a:r>
             <a:endParaRPr lang="en-US" dirty="0"/>
@@ -3186,35 +3191,35 @@
           <a:p>
             <a:pPr lvl="0"/>
             <a:r>
-              <a:rPr lang="nl-NL" smtClean="0"/>
+              <a:rPr lang="nl-NL"/>
               <a:t>Klik om de modelstijlen te bewerken</a:t>
             </a:r>
           </a:p>
           <a:p>
             <a:pPr lvl="1"/>
             <a:r>
-              <a:rPr lang="nl-NL" smtClean="0"/>
+              <a:rPr lang="nl-NL"/>
               <a:t>Tweede niveau</a:t>
             </a:r>
           </a:p>
           <a:p>
             <a:pPr lvl="2"/>
             <a:r>
-              <a:rPr lang="nl-NL" smtClean="0"/>
+              <a:rPr lang="nl-NL"/>
               <a:t>Derde niveau</a:t>
             </a:r>
           </a:p>
           <a:p>
             <a:pPr lvl="3"/>
             <a:r>
-              <a:rPr lang="nl-NL" smtClean="0"/>
+              <a:rPr lang="nl-NL"/>
               <a:t>Vierde niveau</a:t>
             </a:r>
           </a:p>
           <a:p>
             <a:pPr lvl="4"/>
             <a:r>
-              <a:rPr lang="nl-NL" smtClean="0"/>
+              <a:rPr lang="nl-NL"/>
               <a:t>Vijfde niveau</a:t>
             </a:r>
             <a:endParaRPr lang="en-US" dirty="0"/>
@@ -3245,35 +3250,35 @@
           <a:p>
             <a:pPr lvl="0"/>
             <a:r>
-              <a:rPr lang="nl-NL" smtClean="0"/>
+              <a:rPr lang="nl-NL"/>
               <a:t>Klik om de modelstijlen te bewerken</a:t>
             </a:r>
           </a:p>
           <a:p>
             <a:pPr lvl="1"/>
             <a:r>
-              <a:rPr lang="nl-NL" smtClean="0"/>
+              <a:rPr lang="nl-NL"/>
               <a:t>Tweede niveau</a:t>
             </a:r>
           </a:p>
           <a:p>
             <a:pPr lvl="2"/>
             <a:r>
-              <a:rPr lang="nl-NL" smtClean="0"/>
+              <a:rPr lang="nl-NL"/>
               <a:t>Derde niveau</a:t>
             </a:r>
           </a:p>
           <a:p>
             <a:pPr lvl="3"/>
             <a:r>
-              <a:rPr lang="nl-NL" smtClean="0"/>
+              <a:rPr lang="nl-NL"/>
               <a:t>Vierde niveau</a:t>
             </a:r>
           </a:p>
           <a:p>
             <a:pPr lvl="4"/>
             <a:r>
-              <a:rPr lang="nl-NL" smtClean="0"/>
+              <a:rPr lang="nl-NL"/>
               <a:t>Vijfde niveau</a:t>
             </a:r>
             <a:endParaRPr lang="en-US" dirty="0"/>
@@ -3395,7 +3400,7 @@
           </a:lstStyle>
           <a:p>
             <a:r>
-              <a:rPr lang="nl-NL" smtClean="0"/>
+              <a:rPr lang="nl-NL"/>
               <a:t>Klik om de stijl te bewerken</a:t>
             </a:r>
             <a:endParaRPr lang="en-US" dirty="0"/>
@@ -3467,7 +3472,7 @@
           <a:p>
             <a:pPr lvl="0"/>
             <a:r>
-              <a:rPr lang="nl-NL" smtClean="0"/>
+              <a:rPr lang="nl-NL"/>
               <a:t>Klik om de modelstijlen te bewerken</a:t>
             </a:r>
           </a:p>
@@ -3497,35 +3502,35 @@
           <a:p>
             <a:pPr lvl="0"/>
             <a:r>
-              <a:rPr lang="nl-NL" smtClean="0"/>
+              <a:rPr lang="nl-NL"/>
               <a:t>Klik om de modelstijlen te bewerken</a:t>
             </a:r>
           </a:p>
           <a:p>
             <a:pPr lvl="1"/>
             <a:r>
-              <a:rPr lang="nl-NL" smtClean="0"/>
+              <a:rPr lang="nl-NL"/>
               <a:t>Tweede niveau</a:t>
             </a:r>
           </a:p>
           <a:p>
             <a:pPr lvl="2"/>
             <a:r>
-              <a:rPr lang="nl-NL" smtClean="0"/>
+              <a:rPr lang="nl-NL"/>
               <a:t>Derde niveau</a:t>
             </a:r>
           </a:p>
           <a:p>
             <a:pPr lvl="3"/>
             <a:r>
-              <a:rPr lang="nl-NL" smtClean="0"/>
+              <a:rPr lang="nl-NL"/>
               <a:t>Vierde niveau</a:t>
             </a:r>
           </a:p>
           <a:p>
             <a:pPr lvl="4"/>
             <a:r>
-              <a:rPr lang="nl-NL" smtClean="0"/>
+              <a:rPr lang="nl-NL"/>
               <a:t>Vijfde niveau</a:t>
             </a:r>
             <a:endParaRPr lang="en-US" dirty="0"/>
@@ -3597,7 +3602,7 @@
           <a:p>
             <a:pPr lvl="0"/>
             <a:r>
-              <a:rPr lang="nl-NL" smtClean="0"/>
+              <a:rPr lang="nl-NL"/>
               <a:t>Klik om de modelstijlen te bewerken</a:t>
             </a:r>
           </a:p>
@@ -3627,35 +3632,35 @@
           <a:p>
             <a:pPr lvl="0"/>
             <a:r>
-              <a:rPr lang="nl-NL" smtClean="0"/>
+              <a:rPr lang="nl-NL"/>
               <a:t>Klik om de modelstijlen te bewerken</a:t>
             </a:r>
           </a:p>
           <a:p>
             <a:pPr lvl="1"/>
             <a:r>
-              <a:rPr lang="nl-NL" smtClean="0"/>
+              <a:rPr lang="nl-NL"/>
               <a:t>Tweede niveau</a:t>
             </a:r>
           </a:p>
           <a:p>
             <a:pPr lvl="2"/>
             <a:r>
-              <a:rPr lang="nl-NL" smtClean="0"/>
+              <a:rPr lang="nl-NL"/>
               <a:t>Derde niveau</a:t>
             </a:r>
           </a:p>
           <a:p>
             <a:pPr lvl="3"/>
             <a:r>
-              <a:rPr lang="nl-NL" smtClean="0"/>
+              <a:rPr lang="nl-NL"/>
               <a:t>Vierde niveau</a:t>
             </a:r>
           </a:p>
           <a:p>
             <a:pPr lvl="4"/>
             <a:r>
-              <a:rPr lang="nl-NL" smtClean="0"/>
+              <a:rPr lang="nl-NL"/>
               <a:t>Vijfde niveau</a:t>
             </a:r>
             <a:endParaRPr lang="en-US" dirty="0"/>
@@ -3773,7 +3778,7 @@
           <a:lstStyle/>
           <a:p>
             <a:r>
-              <a:rPr lang="nl-NL" smtClean="0"/>
+              <a:rPr lang="nl-NL"/>
               <a:t>Klik om de stijl te bewerken</a:t>
             </a:r>
             <a:endParaRPr lang="en-US" dirty="0"/>
@@ -3997,7 +4002,7 @@
           </a:lstStyle>
           <a:p>
             <a:r>
-              <a:rPr lang="nl-NL" smtClean="0"/>
+              <a:rPr lang="nl-NL"/>
               <a:t>Klik om de stijl te bewerken</a:t>
             </a:r>
             <a:endParaRPr lang="en-US" dirty="0"/>
@@ -4028,35 +4033,35 @@
           <a:p>
             <a:pPr lvl="0"/>
             <a:r>
-              <a:rPr lang="nl-NL" smtClean="0"/>
+              <a:rPr lang="nl-NL"/>
               <a:t>Klik om de modelstijlen te bewerken</a:t>
             </a:r>
           </a:p>
           <a:p>
             <a:pPr lvl="1"/>
             <a:r>
-              <a:rPr lang="nl-NL" smtClean="0"/>
+              <a:rPr lang="nl-NL"/>
               <a:t>Tweede niveau</a:t>
             </a:r>
           </a:p>
           <a:p>
             <a:pPr lvl="2"/>
             <a:r>
-              <a:rPr lang="nl-NL" smtClean="0"/>
+              <a:rPr lang="nl-NL"/>
               <a:t>Derde niveau</a:t>
             </a:r>
           </a:p>
           <a:p>
             <a:pPr lvl="3"/>
             <a:r>
-              <a:rPr lang="nl-NL" smtClean="0"/>
+              <a:rPr lang="nl-NL"/>
               <a:t>Vierde niveau</a:t>
             </a:r>
           </a:p>
           <a:p>
             <a:pPr lvl="4"/>
             <a:r>
-              <a:rPr lang="nl-NL" smtClean="0"/>
+              <a:rPr lang="nl-NL"/>
               <a:t>Vijfde niveau</a:t>
             </a:r>
             <a:endParaRPr lang="en-US" dirty="0"/>
@@ -4124,7 +4129,7 @@
           <a:p>
             <a:pPr lvl="0"/>
             <a:r>
-              <a:rPr lang="nl-NL" smtClean="0"/>
+              <a:rPr lang="nl-NL"/>
               <a:t>Klik om de modelstijlen te bewerken</a:t>
             </a:r>
           </a:p>
@@ -4252,7 +4257,7 @@
           </a:lstStyle>
           <a:p>
             <a:r>
-              <a:rPr lang="nl-NL" smtClean="0"/>
+              <a:rPr lang="nl-NL"/>
               <a:t>Klik om de stijl te bewerken</a:t>
             </a:r>
             <a:endParaRPr lang="en-US" dirty="0"/>
@@ -4339,7 +4344,7 @@
           </a:lstStyle>
           <a:p>
             <a:r>
-              <a:rPr lang="nl-NL" smtClean="0"/>
+              <a:rPr lang="nl-NL"/>
               <a:t>Klik op het pictogram als u een afbeelding wilt toevoegen</a:t>
             </a:r>
             <a:endParaRPr lang="en-US" dirty="0"/>
@@ -4407,7 +4412,7 @@
           <a:p>
             <a:pPr lvl="0"/>
             <a:r>
-              <a:rPr lang="nl-NL" smtClean="0"/>
+              <a:rPr lang="nl-NL"/>
               <a:t>Klik om de modelstijlen te bewerken</a:t>
             </a:r>
           </a:p>
@@ -4730,7 +4735,7 @@
           <a:lstStyle/>
           <a:p>
             <a:r>
-              <a:rPr lang="nl-NL" smtClean="0"/>
+              <a:rPr lang="nl-NL"/>
               <a:t>Klik om de stijl te bewerken</a:t>
             </a:r>
             <a:endParaRPr lang="en-US" dirty="0"/>
@@ -4764,35 +4769,35 @@
           <a:p>
             <a:pPr lvl="0"/>
             <a:r>
-              <a:rPr lang="nl-NL" smtClean="0"/>
+              <a:rPr lang="nl-NL"/>
               <a:t>Klik om de modelstijlen te bewerken</a:t>
             </a:r>
           </a:p>
           <a:p>
             <a:pPr lvl="1"/>
             <a:r>
-              <a:rPr lang="nl-NL" smtClean="0"/>
+              <a:rPr lang="nl-NL"/>
               <a:t>Tweede niveau</a:t>
             </a:r>
           </a:p>
           <a:p>
             <a:pPr lvl="2"/>
             <a:r>
-              <a:rPr lang="nl-NL" smtClean="0"/>
+              <a:rPr lang="nl-NL"/>
               <a:t>Derde niveau</a:t>
             </a:r>
           </a:p>
           <a:p>
             <a:pPr lvl="3"/>
             <a:r>
-              <a:rPr lang="nl-NL" smtClean="0"/>
+              <a:rPr lang="nl-NL"/>
               <a:t>Vierde niveau</a:t>
             </a:r>
           </a:p>
           <a:p>
             <a:pPr lvl="4"/>
             <a:r>
-              <a:rPr lang="nl-NL" smtClean="0"/>
+              <a:rPr lang="nl-NL"/>
               <a:t>Vijfde niveau</a:t>
             </a:r>
             <a:endParaRPr lang="en-US" dirty="0"/>
@@ -5387,7 +5392,7 @@
           <a:lstStyle/>
           <a:p>
             <a:r>
-              <a:rPr lang="nl-BE" dirty="0" smtClean="0"/>
+              <a:rPr lang="nl-BE" dirty="0"/>
               <a:t>Cloud Applications</a:t>
             </a:r>
             <a:endParaRPr lang="en-US" dirty="0"/>
@@ -5412,18 +5417,14 @@
           <a:lstStyle/>
           <a:p>
             <a:r>
-              <a:rPr lang="nl-BE" sz="3200" dirty="0" err="1" smtClean="0"/>
+              <a:rPr lang="nl-BE" sz="3200" dirty="0" err="1"/>
               <a:t>Bachelorproef</a:t>
             </a:r>
-            <a:r>
-              <a:rPr lang="nl-BE" sz="3200" dirty="0" smtClean="0"/>
-              <a:t/>
-            </a:r>
             <a:br>
-              <a:rPr lang="nl-BE" sz="3200" dirty="0" smtClean="0"/>
+              <a:rPr lang="nl-BE" sz="3200" dirty="0"/>
             </a:br>
             <a:r>
-              <a:rPr lang="nl-BE" sz="3200" dirty="0" smtClean="0"/>
+              <a:rPr lang="nl-BE" sz="3200" dirty="0"/>
               <a:t>Automatisering</a:t>
             </a:r>
             <a:endParaRPr lang="en-US" sz="3200" dirty="0"/>
@@ -5481,15 +5482,15 @@
           <a:lstStyle/>
           <a:p>
             <a:r>
-              <a:rPr lang="nl-BE" dirty="0" err="1" smtClean="0"/>
+              <a:rPr lang="nl-BE" dirty="0" err="1"/>
               <a:t>Solved</a:t>
             </a:r>
             <a:r>
-              <a:rPr lang="nl-BE" dirty="0" smtClean="0"/>
+              <a:rPr lang="nl-BE" dirty="0"/>
               <a:t> </a:t>
             </a:r>
             <a:r>
-              <a:rPr lang="nl-BE" dirty="0" err="1" smtClean="0"/>
+              <a:rPr lang="nl-BE" dirty="0" err="1"/>
               <a:t>UserStories</a:t>
             </a:r>
             <a:endParaRPr lang="en-US" dirty="0"/>
@@ -5517,301 +5518,301 @@
           <a:lstStyle/>
           <a:p>
             <a:r>
-              <a:rPr lang="nl-BE" dirty="0" smtClean="0"/>
+              <a:rPr lang="nl-BE" dirty="0"/>
               <a:t>See information </a:t>
             </a:r>
             <a:r>
-              <a:rPr lang="nl-BE" dirty="0" err="1" smtClean="0"/>
+              <a:rPr lang="nl-BE" dirty="0" err="1"/>
               <a:t>about</a:t>
             </a:r>
             <a:r>
-              <a:rPr lang="nl-BE" dirty="0" smtClean="0"/>
+              <a:rPr lang="nl-BE" dirty="0"/>
               <a:t> a </a:t>
             </a:r>
             <a:r>
-              <a:rPr lang="nl-BE" dirty="0" err="1" smtClean="0"/>
+              <a:rPr lang="nl-BE" dirty="0" err="1"/>
               <a:t>repo</a:t>
             </a:r>
             <a:r>
-              <a:rPr lang="nl-BE" dirty="0" smtClean="0"/>
+              <a:rPr lang="nl-BE" dirty="0"/>
               <a:t> on </a:t>
             </a:r>
             <a:r>
-              <a:rPr lang="nl-BE" dirty="0" err="1" smtClean="0"/>
+              <a:rPr lang="nl-BE" dirty="0" err="1"/>
               <a:t>the</a:t>
             </a:r>
             <a:r>
-              <a:rPr lang="nl-BE" dirty="0" smtClean="0"/>
+              <a:rPr lang="nl-BE" dirty="0"/>
               <a:t> site </a:t>
             </a:r>
             <a:r>
-              <a:rPr lang="nl-BE" dirty="0" err="1" smtClean="0"/>
+              <a:rPr lang="nl-BE" dirty="0" err="1"/>
               <a:t>with</a:t>
             </a:r>
             <a:r>
-              <a:rPr lang="nl-BE" dirty="0" smtClean="0"/>
+              <a:rPr lang="nl-BE" dirty="0"/>
               <a:t> a single </a:t>
             </a:r>
             <a:r>
-              <a:rPr lang="nl-BE" dirty="0" err="1" smtClean="0"/>
+              <a:rPr lang="nl-BE" dirty="0" err="1"/>
               <a:t>buttonpress</a:t>
             </a:r>
-            <a:endParaRPr lang="nl-BE" dirty="0" smtClean="0"/>
-          </a:p>
-          <a:p>
-            <a:r>
-              <a:rPr lang="nl-BE" dirty="0" smtClean="0"/>
+            <a:endParaRPr lang="nl-BE" dirty="0"/>
+          </a:p>
+          <a:p>
+            <a:r>
+              <a:rPr lang="nl-BE" dirty="0"/>
               <a:t>See </a:t>
             </a:r>
             <a:r>
-              <a:rPr lang="nl-BE" dirty="0" err="1" smtClean="0"/>
+              <a:rPr lang="nl-BE" dirty="0" err="1"/>
               <a:t>how</a:t>
             </a:r>
             <a:r>
-              <a:rPr lang="nl-BE" dirty="0" smtClean="0"/>
+              <a:rPr lang="nl-BE" dirty="0"/>
               <a:t> </a:t>
             </a:r>
             <a:r>
-              <a:rPr lang="nl-BE" dirty="0" err="1" smtClean="0"/>
+              <a:rPr lang="nl-BE" dirty="0" err="1"/>
               <a:t>active</a:t>
             </a:r>
             <a:r>
-              <a:rPr lang="nl-BE" dirty="0" smtClean="0"/>
+              <a:rPr lang="nl-BE" dirty="0"/>
               <a:t> </a:t>
             </a:r>
             <a:r>
-              <a:rPr lang="nl-BE" dirty="0" err="1" smtClean="0"/>
+              <a:rPr lang="nl-BE" dirty="0" err="1"/>
               <a:t>the</a:t>
             </a:r>
             <a:r>
-              <a:rPr lang="nl-BE" dirty="0" smtClean="0"/>
+              <a:rPr lang="nl-BE" dirty="0"/>
               <a:t> student is </a:t>
             </a:r>
             <a:r>
-              <a:rPr lang="nl-BE" dirty="0" err="1" smtClean="0"/>
+              <a:rPr lang="nl-BE" dirty="0" err="1"/>
               <a:t>within</a:t>
             </a:r>
             <a:r>
-              <a:rPr lang="nl-BE" dirty="0" smtClean="0"/>
+              <a:rPr lang="nl-BE" dirty="0"/>
               <a:t> </a:t>
             </a:r>
             <a:r>
-              <a:rPr lang="nl-BE" dirty="0" err="1" smtClean="0"/>
+              <a:rPr lang="nl-BE" dirty="0" err="1"/>
               <a:t>the</a:t>
             </a:r>
             <a:r>
-              <a:rPr lang="nl-BE" dirty="0" smtClean="0"/>
+              <a:rPr lang="nl-BE" dirty="0"/>
               <a:t> </a:t>
             </a:r>
             <a:r>
-              <a:rPr lang="nl-BE" dirty="0" err="1" smtClean="0"/>
+              <a:rPr lang="nl-BE" dirty="0" err="1"/>
               <a:t>repo</a:t>
             </a:r>
-            <a:endParaRPr lang="nl-BE" dirty="0" smtClean="0"/>
-          </a:p>
-          <a:p>
-            <a:r>
-              <a:rPr lang="nl-BE" dirty="0" smtClean="0"/>
+            <a:endParaRPr lang="nl-BE" dirty="0"/>
+          </a:p>
+          <a:p>
+            <a:r>
+              <a:rPr lang="nl-BE" dirty="0"/>
               <a:t>Open </a:t>
             </a:r>
             <a:r>
-              <a:rPr lang="nl-BE" dirty="0" err="1" smtClean="0"/>
+              <a:rPr lang="nl-BE" dirty="0" err="1"/>
               <a:t>repos</a:t>
             </a:r>
             <a:r>
-              <a:rPr lang="nl-BE" dirty="0" smtClean="0"/>
+              <a:rPr lang="nl-BE" dirty="0"/>
               <a:t> without </a:t>
             </a:r>
             <a:r>
-              <a:rPr lang="nl-BE" dirty="0" err="1" smtClean="0"/>
+              <a:rPr lang="nl-BE" dirty="0" err="1"/>
               <a:t>having</a:t>
             </a:r>
             <a:r>
-              <a:rPr lang="nl-BE" dirty="0" smtClean="0"/>
+              <a:rPr lang="nl-BE" dirty="0"/>
               <a:t> </a:t>
             </a:r>
             <a:r>
-              <a:rPr lang="nl-BE" dirty="0" err="1" smtClean="0"/>
+              <a:rPr lang="nl-BE" dirty="0" err="1"/>
               <a:t>to</a:t>
             </a:r>
             <a:r>
-              <a:rPr lang="nl-BE" dirty="0" smtClean="0"/>
+              <a:rPr lang="nl-BE" dirty="0"/>
               <a:t> look up </a:t>
             </a:r>
             <a:r>
-              <a:rPr lang="nl-BE" dirty="0" err="1" smtClean="0"/>
+              <a:rPr lang="nl-BE" dirty="0" err="1"/>
               <a:t>the</a:t>
             </a:r>
             <a:r>
-              <a:rPr lang="nl-BE" dirty="0" smtClean="0"/>
+              <a:rPr lang="nl-BE" dirty="0"/>
               <a:t> link</a:t>
             </a:r>
           </a:p>
           <a:p>
             <a:r>
-              <a:rPr lang="nl-BE" dirty="0" smtClean="0"/>
+              <a:rPr lang="nl-BE" dirty="0"/>
               <a:t>Write </a:t>
             </a:r>
             <a:r>
-              <a:rPr lang="nl-BE" dirty="0" err="1" smtClean="0"/>
+              <a:rPr lang="nl-BE" dirty="0" err="1"/>
               <a:t>comments</a:t>
             </a:r>
             <a:r>
-              <a:rPr lang="nl-BE" dirty="0" smtClean="0"/>
+              <a:rPr lang="nl-BE" dirty="0"/>
               <a:t> on a </a:t>
             </a:r>
             <a:r>
-              <a:rPr lang="nl-BE" dirty="0" err="1" smtClean="0"/>
+              <a:rPr lang="nl-BE" dirty="0" err="1"/>
               <a:t>students</a:t>
             </a:r>
             <a:r>
-              <a:rPr lang="nl-BE" dirty="0" smtClean="0"/>
+              <a:rPr lang="nl-BE" dirty="0"/>
               <a:t>’ </a:t>
             </a:r>
             <a:r>
-              <a:rPr lang="nl-BE" dirty="0" err="1" smtClean="0"/>
+              <a:rPr lang="nl-BE" dirty="0" err="1"/>
               <a:t>commit</a:t>
             </a:r>
             <a:r>
-              <a:rPr lang="nl-BE" dirty="0" smtClean="0"/>
+              <a:rPr lang="nl-BE" dirty="0"/>
               <a:t> via </a:t>
             </a:r>
             <a:r>
-              <a:rPr lang="nl-BE" dirty="0" err="1" smtClean="0"/>
+              <a:rPr lang="nl-BE" dirty="0" err="1"/>
               <a:t>the</a:t>
             </a:r>
             <a:r>
-              <a:rPr lang="nl-BE" dirty="0" smtClean="0"/>
+              <a:rPr lang="nl-BE" dirty="0"/>
               <a:t> website</a:t>
             </a:r>
           </a:p>
           <a:p>
             <a:r>
-              <a:rPr lang="nl-BE" dirty="0" smtClean="0"/>
+              <a:rPr lang="nl-BE" dirty="0"/>
               <a:t>Search student in </a:t>
             </a:r>
             <a:r>
-              <a:rPr lang="nl-BE" dirty="0" err="1" smtClean="0"/>
+              <a:rPr lang="nl-BE" dirty="0" err="1"/>
               <a:t>the</a:t>
             </a:r>
             <a:r>
-              <a:rPr lang="nl-BE" dirty="0" smtClean="0"/>
+              <a:rPr lang="nl-BE" dirty="0"/>
               <a:t> list of </a:t>
             </a:r>
             <a:r>
-              <a:rPr lang="nl-BE" dirty="0" err="1" smtClean="0"/>
+              <a:rPr lang="nl-BE" dirty="0" err="1"/>
               <a:t>all</a:t>
             </a:r>
             <a:r>
-              <a:rPr lang="nl-BE" dirty="0" smtClean="0"/>
+              <a:rPr lang="nl-BE" dirty="0"/>
               <a:t> </a:t>
             </a:r>
             <a:r>
-              <a:rPr lang="nl-BE" dirty="0" err="1" smtClean="0"/>
+              <a:rPr lang="nl-BE" dirty="0" err="1"/>
               <a:t>my</a:t>
             </a:r>
             <a:r>
-              <a:rPr lang="nl-BE" dirty="0" smtClean="0"/>
+              <a:rPr lang="nl-BE" dirty="0"/>
               <a:t> </a:t>
             </a:r>
             <a:r>
-              <a:rPr lang="nl-BE" dirty="0" err="1" smtClean="0"/>
+              <a:rPr lang="nl-BE" dirty="0" err="1"/>
               <a:t>students</a:t>
             </a:r>
-            <a:endParaRPr lang="nl-BE" dirty="0" smtClean="0"/>
-          </a:p>
-          <a:p>
-            <a:r>
-              <a:rPr lang="nl-BE" dirty="0" err="1" smtClean="0"/>
+            <a:endParaRPr lang="nl-BE" dirty="0"/>
+          </a:p>
+          <a:p>
+            <a:r>
+              <a:rPr lang="nl-BE" dirty="0" err="1"/>
               <a:t>Good</a:t>
             </a:r>
             <a:r>
-              <a:rPr lang="nl-BE" dirty="0" smtClean="0"/>
+              <a:rPr lang="nl-BE" dirty="0"/>
               <a:t> </a:t>
             </a:r>
             <a:r>
-              <a:rPr lang="nl-BE" dirty="0" err="1" smtClean="0"/>
+              <a:rPr lang="nl-BE" dirty="0" err="1"/>
               <a:t>looking</a:t>
             </a:r>
             <a:r>
-              <a:rPr lang="nl-BE" dirty="0" smtClean="0"/>
+              <a:rPr lang="nl-BE" dirty="0"/>
               <a:t> website </a:t>
             </a:r>
             <a:r>
-              <a:rPr lang="nl-BE" dirty="0" err="1" smtClean="0"/>
+              <a:rPr lang="nl-BE" dirty="0" err="1"/>
               <a:t>with</a:t>
             </a:r>
             <a:r>
-              <a:rPr lang="nl-BE" dirty="0" smtClean="0"/>
+              <a:rPr lang="nl-BE" dirty="0"/>
               <a:t> a </a:t>
             </a:r>
             <a:r>
-              <a:rPr lang="nl-BE" dirty="0" err="1" smtClean="0"/>
+              <a:rPr lang="nl-BE" dirty="0" err="1"/>
               <a:t>good</a:t>
             </a:r>
             <a:r>
-              <a:rPr lang="nl-BE" dirty="0" smtClean="0"/>
+              <a:rPr lang="nl-BE" dirty="0"/>
               <a:t> </a:t>
             </a:r>
             <a:r>
-              <a:rPr lang="nl-BE" dirty="0" err="1" smtClean="0"/>
+              <a:rPr lang="nl-BE" dirty="0" err="1"/>
               <a:t>overview</a:t>
             </a:r>
-            <a:endParaRPr lang="nl-BE" dirty="0" smtClean="0"/>
-          </a:p>
-          <a:p>
-            <a:r>
-              <a:rPr lang="nl-BE" dirty="0" smtClean="0"/>
+            <a:endParaRPr lang="nl-BE" dirty="0"/>
+          </a:p>
+          <a:p>
+            <a:r>
+              <a:rPr lang="nl-BE" dirty="0"/>
               <a:t>Read </a:t>
             </a:r>
             <a:r>
-              <a:rPr lang="nl-BE" dirty="0" err="1" smtClean="0"/>
+              <a:rPr lang="nl-BE" dirty="0" err="1"/>
               <a:t>markdown</a:t>
             </a:r>
             <a:r>
-              <a:rPr lang="nl-BE" dirty="0" smtClean="0"/>
+              <a:rPr lang="nl-BE" dirty="0"/>
               <a:t> files on </a:t>
             </a:r>
             <a:r>
-              <a:rPr lang="nl-BE" dirty="0" err="1" smtClean="0"/>
+              <a:rPr lang="nl-BE" dirty="0" err="1"/>
               <a:t>the</a:t>
             </a:r>
             <a:r>
-              <a:rPr lang="nl-BE" dirty="0" smtClean="0"/>
+              <a:rPr lang="nl-BE" dirty="0"/>
               <a:t> website (scriptie, logfiles)</a:t>
             </a:r>
           </a:p>
           <a:p>
             <a:r>
-              <a:rPr lang="nl-BE" dirty="0" smtClean="0"/>
+              <a:rPr lang="nl-BE" dirty="0"/>
               <a:t>I want basic information </a:t>
             </a:r>
             <a:r>
-              <a:rPr lang="nl-BE" dirty="0" err="1" smtClean="0"/>
+              <a:rPr lang="nl-BE" dirty="0" err="1"/>
               <a:t>to</a:t>
             </a:r>
             <a:r>
-              <a:rPr lang="nl-BE" dirty="0" smtClean="0"/>
+              <a:rPr lang="nl-BE" dirty="0"/>
               <a:t> </a:t>
             </a:r>
             <a:r>
-              <a:rPr lang="nl-BE" dirty="0" err="1" smtClean="0"/>
+              <a:rPr lang="nl-BE" dirty="0" err="1"/>
               <a:t>be</a:t>
             </a:r>
             <a:r>
-              <a:rPr lang="nl-BE" dirty="0" smtClean="0"/>
+              <a:rPr lang="nl-BE" dirty="0"/>
               <a:t> </a:t>
             </a:r>
             <a:r>
-              <a:rPr lang="nl-BE" dirty="0" err="1" smtClean="0"/>
+              <a:rPr lang="nl-BE" dirty="0" err="1"/>
               <a:t>extracted</a:t>
             </a:r>
             <a:r>
-              <a:rPr lang="nl-BE" dirty="0" smtClean="0"/>
+              <a:rPr lang="nl-BE" dirty="0"/>
               <a:t> </a:t>
             </a:r>
             <a:r>
-              <a:rPr lang="nl-BE" dirty="0" err="1" smtClean="0"/>
+              <a:rPr lang="nl-BE" dirty="0" err="1"/>
               <a:t>automatically</a:t>
             </a:r>
             <a:endParaRPr lang="en-US" dirty="0"/>
@@ -5869,15 +5870,15 @@
           <a:lstStyle/>
           <a:p>
             <a:r>
-              <a:rPr lang="nl-BE" dirty="0" err="1" smtClean="0"/>
+              <a:rPr lang="nl-BE" dirty="0" err="1"/>
               <a:t>Adjusted</a:t>
             </a:r>
             <a:r>
-              <a:rPr lang="nl-BE" dirty="0" smtClean="0"/>
+              <a:rPr lang="nl-BE" dirty="0"/>
               <a:t> </a:t>
             </a:r>
             <a:r>
-              <a:rPr lang="nl-BE" dirty="0" err="1" smtClean="0"/>
+              <a:rPr lang="nl-BE" dirty="0" err="1"/>
               <a:t>UserStories</a:t>
             </a:r>
             <a:endParaRPr lang="en-US" dirty="0"/>
@@ -5905,141 +5906,141 @@
           <a:lstStyle/>
           <a:p>
             <a:r>
-              <a:rPr lang="nl-BE" dirty="0" err="1" smtClean="0"/>
+              <a:rPr lang="nl-BE" dirty="0" err="1"/>
               <a:t>Create</a:t>
             </a:r>
             <a:r>
-              <a:rPr lang="nl-BE" dirty="0" smtClean="0"/>
+              <a:rPr lang="nl-BE" dirty="0"/>
               <a:t> a single issue </a:t>
             </a:r>
             <a:r>
-              <a:rPr lang="nl-BE" dirty="0" err="1" smtClean="0"/>
+              <a:rPr lang="nl-BE" dirty="0" err="1"/>
               <a:t>for</a:t>
             </a:r>
             <a:r>
-              <a:rPr lang="nl-BE" dirty="0" smtClean="0"/>
+              <a:rPr lang="nl-BE" dirty="0"/>
               <a:t> multiple </a:t>
             </a:r>
             <a:r>
-              <a:rPr lang="nl-BE" dirty="0" err="1" smtClean="0"/>
+              <a:rPr lang="nl-BE" dirty="0" err="1"/>
               <a:t>comments</a:t>
             </a:r>
             <a:r>
-              <a:rPr lang="nl-BE" dirty="0" smtClean="0"/>
+              <a:rPr lang="nl-BE" dirty="0"/>
               <a:t> on </a:t>
             </a:r>
             <a:r>
-              <a:rPr lang="nl-BE" dirty="0" err="1" smtClean="0"/>
+              <a:rPr lang="nl-BE" dirty="0" err="1"/>
               <a:t>the</a:t>
             </a:r>
             <a:r>
-              <a:rPr lang="nl-BE" dirty="0" smtClean="0"/>
+              <a:rPr lang="nl-BE" dirty="0"/>
               <a:t> </a:t>
             </a:r>
             <a:r>
-              <a:rPr lang="nl-BE" dirty="0" err="1" smtClean="0"/>
+              <a:rPr lang="nl-BE" dirty="0" err="1"/>
               <a:t>scription</a:t>
             </a:r>
-            <a:endParaRPr lang="nl-BE" dirty="0" smtClean="0"/>
-          </a:p>
-          <a:p>
-            <a:r>
-              <a:rPr lang="nl-BE" dirty="0" err="1" smtClean="0"/>
+            <a:endParaRPr lang="nl-BE" dirty="0"/>
+          </a:p>
+          <a:p>
+            <a:r>
+              <a:rPr lang="nl-BE" dirty="0" err="1"/>
               <a:t>Recieve</a:t>
             </a:r>
             <a:r>
-              <a:rPr lang="nl-BE" dirty="0" smtClean="0"/>
+              <a:rPr lang="nl-BE" dirty="0"/>
               <a:t> a mail </a:t>
             </a:r>
             <a:r>
-              <a:rPr lang="nl-BE" dirty="0" err="1" smtClean="0"/>
+              <a:rPr lang="nl-BE" dirty="0" err="1"/>
               <a:t>when</a:t>
             </a:r>
             <a:r>
-              <a:rPr lang="nl-BE" dirty="0" smtClean="0"/>
+              <a:rPr lang="nl-BE" dirty="0"/>
               <a:t> a new logfile is </a:t>
             </a:r>
             <a:r>
-              <a:rPr lang="nl-BE" dirty="0" err="1" smtClean="0"/>
+              <a:rPr lang="nl-BE" dirty="0" err="1"/>
               <a:t>pushed</a:t>
             </a:r>
             <a:r>
-              <a:rPr lang="nl-BE" dirty="0" smtClean="0"/>
+              <a:rPr lang="nl-BE" dirty="0"/>
               <a:t> </a:t>
             </a:r>
             <a:r>
-              <a:rPr lang="nl-BE" dirty="0" err="1" smtClean="0"/>
+              <a:rPr lang="nl-BE" dirty="0" err="1"/>
               <a:t>to</a:t>
             </a:r>
             <a:r>
-              <a:rPr lang="nl-BE" dirty="0" smtClean="0"/>
+              <a:rPr lang="nl-BE" dirty="0"/>
               <a:t> </a:t>
             </a:r>
             <a:r>
-              <a:rPr lang="nl-BE" dirty="0" err="1" smtClean="0"/>
+              <a:rPr lang="nl-BE" dirty="0" err="1"/>
               <a:t>repo</a:t>
             </a:r>
-            <a:endParaRPr lang="nl-BE" dirty="0" smtClean="0"/>
-          </a:p>
-          <a:p>
-            <a:r>
-              <a:rPr lang="nl-BE" dirty="0" smtClean="0"/>
+            <a:endParaRPr lang="nl-BE" dirty="0"/>
+          </a:p>
+          <a:p>
+            <a:r>
+              <a:rPr lang="nl-BE" dirty="0"/>
               <a:t>As a Student i want </a:t>
             </a:r>
             <a:r>
-              <a:rPr lang="nl-BE" dirty="0" err="1" smtClean="0"/>
+              <a:rPr lang="nl-BE" dirty="0" err="1"/>
               <a:t>to</a:t>
             </a:r>
             <a:r>
-              <a:rPr lang="nl-BE" dirty="0" smtClean="0"/>
+              <a:rPr lang="nl-BE" dirty="0"/>
               <a:t> </a:t>
             </a:r>
             <a:r>
-              <a:rPr lang="nl-BE" dirty="0" err="1" smtClean="0"/>
+              <a:rPr lang="nl-BE" dirty="0" err="1"/>
               <a:t>be</a:t>
             </a:r>
             <a:r>
-              <a:rPr lang="nl-BE" dirty="0" smtClean="0"/>
+              <a:rPr lang="nl-BE" dirty="0"/>
               <a:t> </a:t>
             </a:r>
             <a:r>
-              <a:rPr lang="nl-BE" dirty="0" err="1" smtClean="0"/>
+              <a:rPr lang="nl-BE" dirty="0" err="1"/>
               <a:t>notified</a:t>
             </a:r>
             <a:r>
-              <a:rPr lang="nl-BE" dirty="0" smtClean="0"/>
+              <a:rPr lang="nl-BE" dirty="0"/>
               <a:t> </a:t>
             </a:r>
             <a:r>
-              <a:rPr lang="nl-BE" dirty="0" err="1" smtClean="0"/>
+              <a:rPr lang="nl-BE" dirty="0" err="1"/>
               <a:t>when</a:t>
             </a:r>
             <a:r>
-              <a:rPr lang="nl-BE" dirty="0" smtClean="0"/>
+              <a:rPr lang="nl-BE" dirty="0"/>
               <a:t> </a:t>
             </a:r>
             <a:r>
-              <a:rPr lang="nl-BE" dirty="0" err="1" smtClean="0"/>
+              <a:rPr lang="nl-BE" dirty="0" err="1"/>
               <a:t>the</a:t>
             </a:r>
             <a:r>
-              <a:rPr lang="nl-BE" dirty="0" smtClean="0"/>
+              <a:rPr lang="nl-BE" dirty="0"/>
               <a:t> </a:t>
             </a:r>
             <a:r>
-              <a:rPr lang="nl-BE" dirty="0" err="1" smtClean="0"/>
+              <a:rPr lang="nl-BE" dirty="0" err="1"/>
               <a:t>original</a:t>
             </a:r>
             <a:r>
-              <a:rPr lang="nl-BE" dirty="0" smtClean="0"/>
+              <a:rPr lang="nl-BE" dirty="0"/>
               <a:t> </a:t>
             </a:r>
             <a:r>
-              <a:rPr lang="nl-BE" dirty="0" err="1" smtClean="0"/>
+              <a:rPr lang="nl-BE" dirty="0" err="1"/>
               <a:t>repo</a:t>
             </a:r>
             <a:r>
-              <a:rPr lang="nl-BE" dirty="0" smtClean="0"/>
+              <a:rPr lang="nl-BE" dirty="0"/>
               <a:t> changes</a:t>
             </a:r>
             <a:endParaRPr lang="en-US" dirty="0"/>
@@ -6097,7 +6098,7 @@
           <a:lstStyle/>
           <a:p>
             <a:r>
-              <a:rPr lang="nl-BE" dirty="0" err="1" smtClean="0"/>
+              <a:rPr lang="nl-BE" dirty="0" err="1"/>
               <a:t>Unnecessairy</a:t>
             </a:r>
             <a:r>
@@ -6105,7 +6106,7 @@
               <a:t> </a:t>
             </a:r>
             <a:r>
-              <a:rPr lang="nl-BE" dirty="0" err="1" smtClean="0"/>
+              <a:rPr lang="nl-BE" dirty="0" err="1"/>
               <a:t>UserStories</a:t>
             </a:r>
             <a:endParaRPr lang="en-US" dirty="0"/>
@@ -6133,214 +6134,214 @@
           <a:lstStyle/>
           <a:p>
             <a:r>
-              <a:rPr lang="nl-BE" dirty="0" smtClean="0"/>
+              <a:rPr lang="nl-BE" dirty="0"/>
               <a:t>Filter </a:t>
             </a:r>
             <a:r>
-              <a:rPr lang="nl-BE" dirty="0" err="1" smtClean="0"/>
+              <a:rPr lang="nl-BE" dirty="0" err="1"/>
               <a:t>students</a:t>
             </a:r>
             <a:r>
-              <a:rPr lang="nl-BE" dirty="0" smtClean="0"/>
+              <a:rPr lang="nl-BE" dirty="0"/>
               <a:t> </a:t>
             </a:r>
             <a:r>
-              <a:rPr lang="nl-BE" dirty="0" err="1" smtClean="0"/>
+              <a:rPr lang="nl-BE" dirty="0" err="1"/>
               <a:t>by</a:t>
             </a:r>
             <a:r>
-              <a:rPr lang="nl-BE" dirty="0" smtClean="0"/>
+              <a:rPr lang="nl-BE" dirty="0"/>
               <a:t> promotor </a:t>
             </a:r>
             <a:r>
-              <a:rPr lang="nl-BE" dirty="0" err="1" smtClean="0"/>
+              <a:rPr lang="nl-BE" dirty="0" err="1"/>
               <a:t>so</a:t>
             </a:r>
             <a:r>
-              <a:rPr lang="nl-BE" dirty="0" smtClean="0"/>
+              <a:rPr lang="nl-BE" dirty="0"/>
               <a:t> I </a:t>
             </a:r>
             <a:r>
-              <a:rPr lang="nl-BE" dirty="0" err="1" smtClean="0"/>
+              <a:rPr lang="nl-BE" dirty="0" err="1"/>
               <a:t>don’t</a:t>
             </a:r>
             <a:r>
-              <a:rPr lang="nl-BE" dirty="0" smtClean="0"/>
+              <a:rPr lang="nl-BE" dirty="0"/>
               <a:t> have </a:t>
             </a:r>
             <a:r>
-              <a:rPr lang="nl-BE" dirty="0" err="1" smtClean="0"/>
+              <a:rPr lang="nl-BE" dirty="0" err="1"/>
               <a:t>to</a:t>
             </a:r>
             <a:r>
-              <a:rPr lang="nl-BE" dirty="0" smtClean="0"/>
+              <a:rPr lang="nl-BE" dirty="0"/>
               <a:t> search </a:t>
             </a:r>
             <a:r>
-              <a:rPr lang="nl-BE" dirty="0" err="1" smtClean="0"/>
+              <a:rPr lang="nl-BE" dirty="0" err="1"/>
               <a:t>for</a:t>
             </a:r>
             <a:r>
-              <a:rPr lang="nl-BE" dirty="0" smtClean="0"/>
+              <a:rPr lang="nl-BE" dirty="0"/>
               <a:t> </a:t>
             </a:r>
             <a:r>
-              <a:rPr lang="nl-BE" dirty="0" err="1" smtClean="0"/>
+              <a:rPr lang="nl-BE" dirty="0" err="1"/>
               <a:t>them</a:t>
             </a:r>
-            <a:endParaRPr lang="nl-BE" dirty="0" smtClean="0"/>
-          </a:p>
-          <a:p>
-            <a:r>
-              <a:rPr lang="nl-BE" dirty="0" err="1" smtClean="0"/>
+            <a:endParaRPr lang="nl-BE" dirty="0"/>
+          </a:p>
+          <a:p>
+            <a:r>
+              <a:rPr lang="nl-BE" dirty="0" err="1"/>
               <a:t>Add</a:t>
             </a:r>
             <a:r>
-              <a:rPr lang="nl-BE" dirty="0" smtClean="0"/>
+              <a:rPr lang="nl-BE" dirty="0"/>
               <a:t>, </a:t>
             </a:r>
             <a:r>
-              <a:rPr lang="nl-BE" dirty="0" err="1" smtClean="0"/>
+              <a:rPr lang="nl-BE" dirty="0" err="1"/>
               <a:t>remove</a:t>
             </a:r>
             <a:r>
-              <a:rPr lang="nl-BE" dirty="0" smtClean="0"/>
+              <a:rPr lang="nl-BE" dirty="0"/>
               <a:t> or </a:t>
             </a:r>
             <a:r>
-              <a:rPr lang="nl-BE" dirty="0" err="1" smtClean="0"/>
+              <a:rPr lang="nl-BE" dirty="0" err="1"/>
               <a:t>edit</a:t>
             </a:r>
             <a:r>
-              <a:rPr lang="nl-BE" dirty="0" smtClean="0"/>
+              <a:rPr lang="nl-BE" dirty="0"/>
               <a:t> </a:t>
             </a:r>
             <a:r>
-              <a:rPr lang="nl-BE" dirty="0" err="1" smtClean="0"/>
+              <a:rPr lang="nl-BE" dirty="0" err="1"/>
               <a:t>students</a:t>
             </a:r>
             <a:r>
-              <a:rPr lang="nl-BE" dirty="0" smtClean="0"/>
+              <a:rPr lang="nl-BE" dirty="0"/>
               <a:t> </a:t>
             </a:r>
             <a:r>
-              <a:rPr lang="nl-BE" dirty="0" err="1" smtClean="0"/>
+              <a:rPr lang="nl-BE" dirty="0" err="1"/>
               <a:t>from</a:t>
             </a:r>
             <a:r>
-              <a:rPr lang="nl-BE" dirty="0" smtClean="0"/>
+              <a:rPr lang="nl-BE" dirty="0"/>
               <a:t> </a:t>
             </a:r>
             <a:r>
-              <a:rPr lang="nl-BE" dirty="0" err="1" smtClean="0"/>
+              <a:rPr lang="nl-BE" dirty="0" err="1"/>
               <a:t>the</a:t>
             </a:r>
             <a:r>
-              <a:rPr lang="nl-BE" dirty="0" smtClean="0"/>
+              <a:rPr lang="nl-BE" dirty="0"/>
               <a:t> list</a:t>
             </a:r>
           </a:p>
           <a:p>
             <a:r>
-              <a:rPr lang="nl-BE" dirty="0" err="1" smtClean="0"/>
+              <a:rPr lang="nl-BE" dirty="0" err="1"/>
               <a:t>Create</a:t>
             </a:r>
             <a:r>
-              <a:rPr lang="nl-BE" dirty="0" smtClean="0"/>
+              <a:rPr lang="nl-BE" dirty="0"/>
               <a:t> </a:t>
             </a:r>
             <a:r>
-              <a:rPr lang="nl-BE" dirty="0" err="1" smtClean="0"/>
+              <a:rPr lang="nl-BE" dirty="0" err="1"/>
               <a:t>notes</a:t>
             </a:r>
             <a:r>
-              <a:rPr lang="nl-BE" dirty="0" smtClean="0"/>
+              <a:rPr lang="nl-BE" dirty="0"/>
               <a:t> </a:t>
             </a:r>
             <a:r>
-              <a:rPr lang="nl-BE" dirty="0" err="1" smtClean="0"/>
+              <a:rPr lang="nl-BE" dirty="0" err="1"/>
               <a:t>for</a:t>
             </a:r>
             <a:r>
-              <a:rPr lang="nl-BE" dirty="0" smtClean="0"/>
+              <a:rPr lang="nl-BE" dirty="0"/>
               <a:t> </a:t>
             </a:r>
             <a:r>
-              <a:rPr lang="nl-BE" dirty="0" err="1" smtClean="0"/>
+              <a:rPr lang="nl-BE" dirty="0" err="1"/>
               <a:t>my</a:t>
             </a:r>
             <a:r>
-              <a:rPr lang="nl-BE" dirty="0" smtClean="0"/>
+              <a:rPr lang="nl-BE" dirty="0"/>
               <a:t> </a:t>
             </a:r>
             <a:r>
-              <a:rPr lang="nl-BE" dirty="0" err="1" smtClean="0"/>
+              <a:rPr lang="nl-BE" dirty="0" err="1"/>
               <a:t>students</a:t>
             </a:r>
             <a:r>
-              <a:rPr lang="nl-BE" dirty="0" smtClean="0"/>
+              <a:rPr lang="nl-BE" dirty="0"/>
               <a:t> </a:t>
             </a:r>
             <a:r>
-              <a:rPr lang="nl-BE" dirty="0" err="1" smtClean="0"/>
+              <a:rPr lang="nl-BE" dirty="0" err="1"/>
               <a:t>only</a:t>
             </a:r>
             <a:r>
-              <a:rPr lang="nl-BE" dirty="0" smtClean="0"/>
+              <a:rPr lang="nl-BE" dirty="0"/>
               <a:t> </a:t>
             </a:r>
             <a:r>
-              <a:rPr lang="nl-BE" dirty="0" err="1" smtClean="0"/>
+              <a:rPr lang="nl-BE" dirty="0" err="1"/>
               <a:t>visible</a:t>
             </a:r>
             <a:r>
-              <a:rPr lang="nl-BE" dirty="0" smtClean="0"/>
+              <a:rPr lang="nl-BE" dirty="0"/>
               <a:t> </a:t>
             </a:r>
             <a:r>
-              <a:rPr lang="nl-BE" dirty="0" err="1" smtClean="0"/>
+              <a:rPr lang="nl-BE" dirty="0" err="1"/>
               <a:t>by</a:t>
             </a:r>
             <a:r>
-              <a:rPr lang="nl-BE" dirty="0" smtClean="0"/>
+              <a:rPr lang="nl-BE" dirty="0"/>
               <a:t> me</a:t>
             </a:r>
           </a:p>
           <a:p>
             <a:r>
-              <a:rPr lang="nl-BE" dirty="0" smtClean="0"/>
+              <a:rPr lang="nl-BE" dirty="0"/>
               <a:t>Read </a:t>
             </a:r>
             <a:r>
-              <a:rPr lang="nl-BE" dirty="0" err="1" smtClean="0"/>
+              <a:rPr lang="nl-BE" dirty="0" err="1"/>
               <a:t>and</a:t>
             </a:r>
             <a:r>
-              <a:rPr lang="nl-BE" dirty="0" smtClean="0"/>
+              <a:rPr lang="nl-BE" dirty="0"/>
               <a:t> </a:t>
             </a:r>
             <a:r>
-              <a:rPr lang="nl-BE" dirty="0" err="1" smtClean="0"/>
+              <a:rPr lang="nl-BE" dirty="0" err="1"/>
               <a:t>edit</a:t>
             </a:r>
             <a:r>
-              <a:rPr lang="nl-BE" dirty="0" smtClean="0"/>
+              <a:rPr lang="nl-BE" dirty="0"/>
               <a:t> code </a:t>
             </a:r>
             <a:r>
-              <a:rPr lang="nl-BE" dirty="0" err="1" smtClean="0"/>
+              <a:rPr lang="nl-BE" dirty="0" err="1"/>
               <a:t>using</a:t>
             </a:r>
             <a:r>
-              <a:rPr lang="nl-BE" dirty="0" smtClean="0"/>
+              <a:rPr lang="nl-BE" dirty="0"/>
               <a:t> </a:t>
             </a:r>
             <a:r>
-              <a:rPr lang="nl-BE" dirty="0" err="1" smtClean="0"/>
+              <a:rPr lang="nl-BE" dirty="0" err="1"/>
               <a:t>the</a:t>
             </a:r>
             <a:r>
-              <a:rPr lang="nl-BE" dirty="0" smtClean="0"/>
+              <a:rPr lang="nl-BE" dirty="0"/>
               <a:t> website</a:t>
             </a:r>
           </a:p>
@@ -6400,7 +6401,7 @@
           <a:lstStyle/>
           <a:p>
             <a:r>
-              <a:rPr lang="nl-BE" dirty="0" err="1" smtClean="0"/>
+              <a:rPr lang="nl-BE" dirty="0" err="1"/>
               <a:t>Mockups</a:t>
             </a:r>
             <a:endParaRPr lang="en-US" dirty="0"/>
@@ -6536,7 +6537,7 @@
           <a:lstStyle/>
           <a:p>
             <a:r>
-              <a:rPr lang="nl-BE" dirty="0" err="1" smtClean="0"/>
+              <a:rPr lang="nl-BE" dirty="0" err="1"/>
               <a:t>Mockups</a:t>
             </a:r>
             <a:endParaRPr lang="en-US" dirty="0"/>
@@ -6667,7 +6668,7 @@
           <a:lstStyle/>
           <a:p>
             <a:r>
-              <a:rPr lang="nl-BE" dirty="0" err="1" smtClean="0"/>
+              <a:rPr lang="nl-BE" dirty="0" err="1"/>
               <a:t>Mockups</a:t>
             </a:r>
             <a:endParaRPr lang="en-US" dirty="0"/>
@@ -6794,7 +6795,7 @@
         </p:nvSpPr>
         <p:spPr>
           <a:xfrm>
-            <a:off x="332189" y="378972"/>
+            <a:off x="365745" y="378972"/>
             <a:ext cx="8534400" cy="1507067"/>
           </a:xfrm>
         </p:spPr>
@@ -6803,7 +6804,7 @@
           <a:lstStyle/>
           <a:p>
             <a:r>
-              <a:rPr lang="nl-BE" dirty="0" smtClean="0"/>
+              <a:rPr lang="nl-BE" dirty="0"/>
               <a:t>Deployment Diagram</a:t>
             </a:r>
             <a:endParaRPr lang="en-US" dirty="0"/>
@@ -6812,28 +6813,573 @@
       </p:sp>
       <p:sp>
         <p:nvSpPr>
-          <p:cNvPr id="3" name="Tijdelijke aanduiding voor inhoud 2"/>
-          <p:cNvSpPr>
-            <a:spLocks noGrp="1"/>
-          </p:cNvSpPr>
-          <p:nvPr>
-            <p:ph idx="1"/>
-          </p:nvPr>
+          <p:cNvPr id="4" name="Rechthoek 3"/>
+          <p:cNvSpPr/>
+          <p:nvPr/>
         </p:nvSpPr>
         <p:spPr>
           <a:xfrm>
-            <a:off x="332189" y="1886039"/>
-            <a:ext cx="8534400" cy="3615267"/>
+            <a:off x="151002" y="2197916"/>
+            <a:ext cx="2030136" cy="1317072"/>
           </a:xfrm>
+          <a:prstGeom prst="rect">
+            <a:avLst/>
+          </a:prstGeom>
         </p:spPr>
-        <p:txBody>
-          <a:bodyPr/>
-          <a:lstStyle/>
-          <a:p>
-            <a:endParaRPr lang="en-US" dirty="0"/>
-          </a:p>
-        </p:txBody>
-      </p:sp>
+        <p:style>
+          <a:lnRef idx="2">
+            <a:schemeClr val="accent1">
+              <a:shade val="50000"/>
+            </a:schemeClr>
+          </a:lnRef>
+          <a:fillRef idx="1">
+            <a:schemeClr val="accent1"/>
+          </a:fillRef>
+          <a:effectRef idx="0">
+            <a:schemeClr val="accent1"/>
+          </a:effectRef>
+          <a:fontRef idx="minor">
+            <a:schemeClr val="lt1"/>
+          </a:fontRef>
+        </p:style>
+        <p:txBody>
+          <a:bodyPr rtlCol="0" anchor="ctr"/>
+          <a:lstStyle/>
+          <a:p>
+            <a:pPr marL="285750" indent="-285750" algn="ctr">
+              <a:buFontTx/>
+              <a:buChar char="-"/>
+            </a:pPr>
+            <a:r>
+              <a:rPr lang="nl-BE" dirty="0" err="1"/>
+              <a:t>Angular</a:t>
+            </a:r>
+            <a:endParaRPr lang="nl-BE" dirty="0"/>
+          </a:p>
+          <a:p>
+            <a:pPr marL="285750" indent="-285750" algn="ctr">
+              <a:buFontTx/>
+              <a:buChar char="-"/>
+            </a:pPr>
+            <a:r>
+              <a:rPr lang="nl-BE" dirty="0"/>
+              <a:t>Bootstrap</a:t>
+            </a:r>
+          </a:p>
+          <a:p>
+            <a:pPr marL="285750" indent="-285750" algn="ctr">
+              <a:buFontTx/>
+              <a:buChar char="-"/>
+            </a:pPr>
+            <a:r>
+              <a:rPr lang="nl-BE" dirty="0"/>
+              <a:t>CSS</a:t>
+            </a:r>
+          </a:p>
+          <a:p>
+            <a:pPr marL="285750" indent="-285750" algn="ctr">
+              <a:buFontTx/>
+              <a:buChar char="-"/>
+            </a:pPr>
+            <a:r>
+              <a:rPr lang="nl-BE" dirty="0"/>
+              <a:t>Javascript</a:t>
+            </a:r>
+          </a:p>
+          <a:p>
+            <a:pPr marL="285750" indent="-285750" algn="ctr">
+              <a:buFontTx/>
+              <a:buChar char="-"/>
+            </a:pPr>
+            <a:r>
+              <a:rPr lang="nl-BE" dirty="0"/>
+              <a:t>HTML</a:t>
+            </a:r>
+          </a:p>
+        </p:txBody>
+      </p:sp>
+      <p:sp>
+        <p:nvSpPr>
+          <p:cNvPr id="5" name="Rechthoek 4"/>
+          <p:cNvSpPr/>
+          <p:nvPr/>
+        </p:nvSpPr>
+        <p:spPr>
+          <a:xfrm>
+            <a:off x="6750054" y="2197916"/>
+            <a:ext cx="2248250" cy="1417739"/>
+          </a:xfrm>
+          <a:prstGeom prst="rect">
+            <a:avLst/>
+          </a:prstGeom>
+        </p:spPr>
+        <p:style>
+          <a:lnRef idx="2">
+            <a:schemeClr val="accent1">
+              <a:shade val="50000"/>
+            </a:schemeClr>
+          </a:lnRef>
+          <a:fillRef idx="1">
+            <a:schemeClr val="accent1"/>
+          </a:fillRef>
+          <a:effectRef idx="0">
+            <a:schemeClr val="accent1"/>
+          </a:effectRef>
+          <a:fontRef idx="minor">
+            <a:schemeClr val="lt1"/>
+          </a:fontRef>
+        </p:style>
+        <p:txBody>
+          <a:bodyPr rtlCol="0" anchor="ctr"/>
+          <a:lstStyle/>
+          <a:p>
+            <a:pPr algn="ctr"/>
+            <a:endParaRPr lang="nl-BE" dirty="0"/>
+          </a:p>
+        </p:txBody>
+      </p:sp>
+      <p:sp>
+        <p:nvSpPr>
+          <p:cNvPr id="8" name="Tekstvak 7"/>
+          <p:cNvSpPr txBox="1"/>
+          <p:nvPr/>
+        </p:nvSpPr>
+        <p:spPr>
+          <a:xfrm>
+            <a:off x="268448" y="1886039"/>
+            <a:ext cx="835485" cy="369332"/>
+          </a:xfrm>
+          <a:prstGeom prst="rect">
+            <a:avLst/>
+          </a:prstGeom>
+          <a:noFill/>
+        </p:spPr>
+        <p:txBody>
+          <a:bodyPr wrap="none" rtlCol="0">
+            <a:spAutoFit/>
+          </a:bodyPr>
+          <a:lstStyle/>
+          <a:p>
+            <a:r>
+              <a:rPr lang="nl-BE" dirty="0"/>
+              <a:t>Client</a:t>
+            </a:r>
+            <a:endParaRPr lang="nl-BE" dirty="0"/>
+          </a:p>
+        </p:txBody>
+      </p:sp>
+      <p:sp>
+        <p:nvSpPr>
+          <p:cNvPr id="9" name="Rechthoek 8"/>
+          <p:cNvSpPr/>
+          <p:nvPr/>
+        </p:nvSpPr>
+        <p:spPr>
+          <a:xfrm>
+            <a:off x="7263324" y="1855828"/>
+            <a:ext cx="945160" cy="369332"/>
+          </a:xfrm>
+          <a:prstGeom prst="rect">
+            <a:avLst/>
+          </a:prstGeom>
+        </p:spPr>
+        <p:txBody>
+          <a:bodyPr wrap="square">
+            <a:spAutoFit/>
+          </a:bodyPr>
+          <a:lstStyle/>
+          <a:p>
+            <a:r>
+              <a:rPr lang="nl-BE" dirty="0"/>
+              <a:t>Server</a:t>
+            </a:r>
+            <a:endParaRPr lang="nl-BE" dirty="0"/>
+          </a:p>
+        </p:txBody>
+      </p:sp>
+      <p:sp>
+        <p:nvSpPr>
+          <p:cNvPr id="10" name="Rechthoek 9"/>
+          <p:cNvSpPr/>
+          <p:nvPr/>
+        </p:nvSpPr>
+        <p:spPr>
+          <a:xfrm>
+            <a:off x="6799134" y="2243549"/>
+            <a:ext cx="2248250" cy="646331"/>
+          </a:xfrm>
+          <a:prstGeom prst="rect">
+            <a:avLst/>
+          </a:prstGeom>
+        </p:spPr>
+        <p:txBody>
+          <a:bodyPr wrap="square">
+            <a:spAutoFit/>
+          </a:bodyPr>
+          <a:lstStyle/>
+          <a:p>
+            <a:pPr marL="285750" indent="-285750">
+              <a:buFontTx/>
+              <a:buChar char="-"/>
+            </a:pPr>
+            <a:r>
+              <a:rPr lang="nl-BE" dirty="0"/>
+              <a:t>Node</a:t>
+            </a:r>
+          </a:p>
+          <a:p>
+            <a:pPr marL="285750" indent="-285750">
+              <a:buFontTx/>
+              <a:buChar char="-"/>
+            </a:pPr>
+            <a:r>
+              <a:rPr lang="nl-BE" dirty="0"/>
+              <a:t>Express</a:t>
+            </a:r>
+            <a:endParaRPr lang="nl-BE" dirty="0"/>
+          </a:p>
+        </p:txBody>
+      </p:sp>
+      <p:sp>
+        <p:nvSpPr>
+          <p:cNvPr id="11" name="Rechthoek 10"/>
+          <p:cNvSpPr/>
+          <p:nvPr/>
+        </p:nvSpPr>
+        <p:spPr>
+          <a:xfrm>
+            <a:off x="3615654" y="2319238"/>
+            <a:ext cx="1518407" cy="494951"/>
+          </a:xfrm>
+          <a:prstGeom prst="rect">
+            <a:avLst/>
+          </a:prstGeom>
+        </p:spPr>
+        <p:style>
+          <a:lnRef idx="2">
+            <a:schemeClr val="accent1">
+              <a:shade val="50000"/>
+            </a:schemeClr>
+          </a:lnRef>
+          <a:fillRef idx="1">
+            <a:schemeClr val="accent1"/>
+          </a:fillRef>
+          <a:effectRef idx="0">
+            <a:schemeClr val="accent1"/>
+          </a:effectRef>
+          <a:fontRef idx="minor">
+            <a:schemeClr val="lt1"/>
+          </a:fontRef>
+        </p:style>
+        <p:txBody>
+          <a:bodyPr rtlCol="0" anchor="ctr"/>
+          <a:lstStyle/>
+          <a:p>
+            <a:pPr algn="ctr"/>
+            <a:r>
+              <a:rPr lang="nl-BE" dirty="0" err="1"/>
+              <a:t>Github</a:t>
+            </a:r>
+            <a:r>
+              <a:rPr lang="nl-BE" dirty="0"/>
+              <a:t> API</a:t>
+            </a:r>
+          </a:p>
+        </p:txBody>
+      </p:sp>
+      <p:cxnSp>
+        <p:nvCxnSpPr>
+          <p:cNvPr id="15" name="Rechte verbindingslijn met pijl 14"/>
+          <p:cNvCxnSpPr>
+            <a:endCxn id="11" idx="1"/>
+          </p:cNvCxnSpPr>
+          <p:nvPr/>
+        </p:nvCxnSpPr>
+        <p:spPr>
+          <a:xfrm flipV="1">
+            <a:off x="2181138" y="2566714"/>
+            <a:ext cx="1436400" cy="59040"/>
+          </a:xfrm>
+          <a:prstGeom prst="straightConnector1">
+            <a:avLst/>
+          </a:prstGeom>
+          <a:ln>
+            <a:headEnd type="triangle"/>
+            <a:tailEnd type="triangle"/>
+          </a:ln>
+        </p:spPr>
+        <p:style>
+          <a:lnRef idx="2">
+            <a:schemeClr val="dk1"/>
+          </a:lnRef>
+          <a:fillRef idx="0">
+            <a:schemeClr val="dk1"/>
+          </a:fillRef>
+          <a:effectRef idx="1">
+            <a:schemeClr val="dk1"/>
+          </a:effectRef>
+          <a:fontRef idx="minor">
+            <a:schemeClr val="tx1"/>
+          </a:fontRef>
+        </p:style>
+      </p:cxnSp>
+      <p:cxnSp>
+        <p:nvCxnSpPr>
+          <p:cNvPr id="16" name="Rechte verbindingslijn met pijl 15"/>
+          <p:cNvCxnSpPr>
+            <a:cxnSpLocks/>
+            <a:endCxn id="5" idx="1"/>
+          </p:cNvCxnSpPr>
+          <p:nvPr/>
+        </p:nvCxnSpPr>
+        <p:spPr>
+          <a:xfrm flipV="1">
+            <a:off x="2180196" y="2906786"/>
+            <a:ext cx="4569858" cy="87766"/>
+          </a:xfrm>
+          <a:prstGeom prst="straightConnector1">
+            <a:avLst/>
+          </a:prstGeom>
+          <a:ln>
+            <a:headEnd type="triangle"/>
+            <a:tailEnd type="triangle"/>
+          </a:ln>
+        </p:spPr>
+        <p:style>
+          <a:lnRef idx="2">
+            <a:schemeClr val="dk1"/>
+          </a:lnRef>
+          <a:fillRef idx="0">
+            <a:schemeClr val="dk1"/>
+          </a:fillRef>
+          <a:effectRef idx="1">
+            <a:schemeClr val="dk1"/>
+          </a:effectRef>
+          <a:fontRef idx="minor">
+            <a:schemeClr val="tx1"/>
+          </a:fontRef>
+        </p:style>
+      </p:cxnSp>
+      <p:cxnSp>
+        <p:nvCxnSpPr>
+          <p:cNvPr id="19" name="Rechte verbindingslijn met pijl 18"/>
+          <p:cNvCxnSpPr>
+            <a:cxnSpLocks/>
+            <a:stCxn id="11" idx="3"/>
+          </p:cNvCxnSpPr>
+          <p:nvPr/>
+        </p:nvCxnSpPr>
+        <p:spPr>
+          <a:xfrm>
+            <a:off x="5134061" y="2566714"/>
+            <a:ext cx="1615993" cy="0"/>
+          </a:xfrm>
+          <a:prstGeom prst="straightConnector1">
+            <a:avLst/>
+          </a:prstGeom>
+          <a:ln>
+            <a:headEnd type="triangle"/>
+            <a:tailEnd type="triangle"/>
+          </a:ln>
+        </p:spPr>
+        <p:style>
+          <a:lnRef idx="2">
+            <a:schemeClr val="dk1"/>
+          </a:lnRef>
+          <a:fillRef idx="0">
+            <a:schemeClr val="dk1"/>
+          </a:fillRef>
+          <a:effectRef idx="1">
+            <a:schemeClr val="dk1"/>
+          </a:effectRef>
+          <a:fontRef idx="minor">
+            <a:schemeClr val="tx1"/>
+          </a:fontRef>
+        </p:style>
+      </p:cxnSp>
+      <p:sp>
+        <p:nvSpPr>
+          <p:cNvPr id="23" name="Rechthoek 22"/>
+          <p:cNvSpPr/>
+          <p:nvPr/>
+        </p:nvSpPr>
+        <p:spPr>
+          <a:xfrm>
+            <a:off x="5303644" y="1964533"/>
+            <a:ext cx="1313180" cy="646331"/>
+          </a:xfrm>
+          <a:prstGeom prst="rect">
+            <a:avLst/>
+          </a:prstGeom>
+        </p:spPr>
+        <p:txBody>
+          <a:bodyPr wrap="none">
+            <a:spAutoFit/>
+          </a:bodyPr>
+          <a:lstStyle/>
+          <a:p>
+            <a:r>
+              <a:rPr lang="nl-BE" dirty="0"/>
+              <a:t>Token  </a:t>
+            </a:r>
+          </a:p>
+          <a:p>
+            <a:r>
+              <a:rPr lang="nl-BE" dirty="0"/>
+              <a:t>Exchange</a:t>
+            </a:r>
+            <a:endParaRPr lang="nl-BE" dirty="0"/>
+          </a:p>
+        </p:txBody>
+      </p:sp>
+      <p:sp>
+        <p:nvSpPr>
+          <p:cNvPr id="24" name="Rechthoek 23"/>
+          <p:cNvSpPr/>
+          <p:nvPr/>
+        </p:nvSpPr>
+        <p:spPr>
+          <a:xfrm>
+            <a:off x="2389915" y="2241532"/>
+            <a:ext cx="1103187" cy="369332"/>
+          </a:xfrm>
+          <a:prstGeom prst="rect">
+            <a:avLst/>
+          </a:prstGeom>
+        </p:spPr>
+        <p:txBody>
+          <a:bodyPr wrap="none">
+            <a:spAutoFit/>
+          </a:bodyPr>
+          <a:lstStyle/>
+          <a:p>
+            <a:r>
+              <a:rPr lang="nl-BE" dirty="0"/>
+              <a:t>Git Calls</a:t>
+            </a:r>
+            <a:endParaRPr lang="nl-BE" dirty="0"/>
+          </a:p>
+        </p:txBody>
+      </p:sp>
+      <p:sp>
+        <p:nvSpPr>
+          <p:cNvPr id="25" name="Rechthoek 24"/>
+          <p:cNvSpPr/>
+          <p:nvPr/>
+        </p:nvSpPr>
+        <p:spPr>
+          <a:xfrm>
+            <a:off x="4084061" y="2944010"/>
+            <a:ext cx="1534394" cy="646331"/>
+          </a:xfrm>
+          <a:prstGeom prst="rect">
+            <a:avLst/>
+          </a:prstGeom>
+        </p:spPr>
+        <p:txBody>
+          <a:bodyPr wrap="none">
+            <a:spAutoFit/>
+          </a:bodyPr>
+          <a:lstStyle/>
+          <a:p>
+            <a:r>
+              <a:rPr lang="nl-BE" dirty="0"/>
+              <a:t>Usercode -&gt;</a:t>
+            </a:r>
+          </a:p>
+          <a:p>
+            <a:r>
+              <a:rPr lang="nl-BE" dirty="0"/>
+              <a:t>Access &lt;-</a:t>
+            </a:r>
+            <a:endParaRPr lang="nl-BE" dirty="0"/>
+          </a:p>
+        </p:txBody>
+      </p:sp>
+      <p:sp>
+        <p:nvSpPr>
+          <p:cNvPr id="26" name="Rechthoek 25"/>
+          <p:cNvSpPr/>
+          <p:nvPr/>
+        </p:nvSpPr>
+        <p:spPr>
+          <a:xfrm>
+            <a:off x="10410428" y="2445263"/>
+            <a:ext cx="1518407" cy="667053"/>
+          </a:xfrm>
+          <a:prstGeom prst="rect">
+            <a:avLst/>
+          </a:prstGeom>
+        </p:spPr>
+        <p:style>
+          <a:lnRef idx="2">
+            <a:schemeClr val="accent1">
+              <a:shade val="50000"/>
+            </a:schemeClr>
+          </a:lnRef>
+          <a:fillRef idx="1">
+            <a:schemeClr val="accent1"/>
+          </a:fillRef>
+          <a:effectRef idx="0">
+            <a:schemeClr val="accent1"/>
+          </a:effectRef>
+          <a:fontRef idx="minor">
+            <a:schemeClr val="lt1"/>
+          </a:fontRef>
+        </p:style>
+        <p:txBody>
+          <a:bodyPr rtlCol="0" anchor="ctr"/>
+          <a:lstStyle/>
+          <a:p>
+            <a:pPr algn="ctr"/>
+            <a:r>
+              <a:rPr lang="nl-BE" dirty="0" err="1"/>
+              <a:t>Sendgrid</a:t>
+            </a:r>
+            <a:r>
+              <a:rPr lang="nl-BE" dirty="0"/>
+              <a:t> API</a:t>
+            </a:r>
+          </a:p>
+        </p:txBody>
+      </p:sp>
+      <p:cxnSp>
+        <p:nvCxnSpPr>
+          <p:cNvPr id="27" name="Rechte verbindingslijn met pijl 26"/>
+          <p:cNvCxnSpPr>
+            <a:cxnSpLocks/>
+            <a:endCxn id="26" idx="1"/>
+          </p:cNvCxnSpPr>
+          <p:nvPr/>
+        </p:nvCxnSpPr>
+        <p:spPr>
+          <a:xfrm>
+            <a:off x="8998304" y="2709783"/>
+            <a:ext cx="1412124" cy="69007"/>
+          </a:xfrm>
+          <a:prstGeom prst="straightConnector1">
+            <a:avLst/>
+          </a:prstGeom>
+          <a:ln>
+            <a:headEnd type="triangle"/>
+            <a:tailEnd type="triangle"/>
+          </a:ln>
+        </p:spPr>
+        <p:style>
+          <a:lnRef idx="2">
+            <a:schemeClr val="dk1"/>
+          </a:lnRef>
+          <a:fillRef idx="0">
+            <a:schemeClr val="dk1"/>
+          </a:fillRef>
+          <a:effectRef idx="1">
+            <a:schemeClr val="dk1"/>
+          </a:effectRef>
+          <a:fontRef idx="minor">
+            <a:schemeClr val="tx1"/>
+          </a:fontRef>
+        </p:style>
+      </p:cxnSp>
     </p:spTree>
     <p:extLst>
       <p:ext uri="{BB962C8B-B14F-4D97-AF65-F5344CB8AC3E}">
@@ -6886,7 +7432,7 @@
           <a:p>
             <a:pPr algn="ctr"/>
             <a:r>
-              <a:rPr lang="nl-BE" dirty="0" smtClean="0"/>
+              <a:rPr lang="nl-BE" dirty="0"/>
               <a:t>Demo</a:t>
             </a:r>
             <a:endParaRPr lang="en-US" dirty="0"/>
